--- a/Instructions/Instruction for observers_3disk_flicker.pptx
+++ b/Instructions/Instruction for observers_3disk_flicker.pptx
@@ -117,6 +117,32 @@
 </p:presentation>
 </file>
 
+<file path=ppt/commentAuthors.xml><?xml version="1.0" encoding="utf-8"?>
+<p:cmAuthorLst xmlns:a="http://schemas.openxmlformats.org/drawingml/2006/main" xmlns:r="http://schemas.openxmlformats.org/officeDocument/2006/relationships" xmlns:p="http://schemas.openxmlformats.org/presentationml/2006/main">
+  <p:cmAuthor id="1" name="Cretenoud Aline Françoise" initials="CAF" lastIdx="7" clrIdx="0">
+    <p:extLst>
+      <p:ext uri="{19B8F6BF-5375-455C-9EA6-DF929625EA0E}">
+        <p15:presenceInfo xmlns:p15="http://schemas.microsoft.com/office/powerpoint/2012/main" userId="S-1-5-21-57989841-436374069-839522115-67962" providerId="AD"/>
+      </p:ext>
+    </p:extLst>
+  </p:cmAuthor>
+</p:cmAuthorLst>
+</file>
+
+<file path=ppt/comments/comment1.xml><?xml version="1.0" encoding="utf-8"?>
+<p:cmLst xmlns:a="http://schemas.openxmlformats.org/drawingml/2006/main" xmlns:r="http://schemas.openxmlformats.org/officeDocument/2006/relationships" xmlns:p="http://schemas.openxmlformats.org/presentationml/2006/main">
+  <p:cm authorId="1" dt="2020-08-14T15:39:41.628" idx="6">
+    <p:pos x="4644" y="2102"/>
+    <p:text>not sure, but since there is only one target bar in each of those 2 frames, I would rather say "whether the target bar (...) in cue and probe frames is tilted in the ...."</p:text>
+    <p:extLst>
+      <p:ext uri="{C676402C-5697-4E1C-873F-D02D1690AC5C}">
+        <p15:threadingInfo xmlns:p15="http://schemas.microsoft.com/office/powerpoint/2012/main" timeZoneBias="-120"/>
+      </p:ext>
+    </p:extLst>
+  </p:cm>
+</p:cmLst>
+</file>
+
 <file path=ppt/notesMasters/notesMaster1.xml><?xml version="1.0" encoding="utf-8"?>
 <p:notesMaster xmlns:a="http://schemas.openxmlformats.org/drawingml/2006/main" xmlns:r="http://schemas.openxmlformats.org/officeDocument/2006/relationships" xmlns:p="http://schemas.openxmlformats.org/presentationml/2006/main">
   <p:cSld>
@@ -199,7 +225,7 @@
           <a:p>
             <a:fld id="{024A5357-A753-4D39-8A2E-56E39FBFD254}" type="datetimeFigureOut">
               <a:rPr lang="en-US" smtClean="0"/>
-              <a:t>07.08.2020</a:t>
+              <a:t>18.08.2020</a:t>
             </a:fld>
             <a:endParaRPr lang="en-US"/>
           </a:p>
@@ -597,7 +623,7 @@
           <a:p>
             <a:fld id="{D1CB3D34-4A5F-4479-84DC-395EB63EC8BA}" type="datetimeFigureOut">
               <a:rPr lang="en-US" smtClean="0"/>
-              <a:t>07.08.2020</a:t>
+              <a:t>18.08.2020</a:t>
             </a:fld>
             <a:endParaRPr lang="en-US"/>
           </a:p>
@@ -767,7 +793,7 @@
           <a:p>
             <a:fld id="{D1CB3D34-4A5F-4479-84DC-395EB63EC8BA}" type="datetimeFigureOut">
               <a:rPr lang="en-US" smtClean="0"/>
-              <a:t>07.08.2020</a:t>
+              <a:t>18.08.2020</a:t>
             </a:fld>
             <a:endParaRPr lang="en-US"/>
           </a:p>
@@ -947,7 +973,7 @@
           <a:p>
             <a:fld id="{D1CB3D34-4A5F-4479-84DC-395EB63EC8BA}" type="datetimeFigureOut">
               <a:rPr lang="en-US" smtClean="0"/>
-              <a:t>07.08.2020</a:t>
+              <a:t>18.08.2020</a:t>
             </a:fld>
             <a:endParaRPr lang="en-US"/>
           </a:p>
@@ -1117,7 +1143,7 @@
           <a:p>
             <a:fld id="{D1CB3D34-4A5F-4479-84DC-395EB63EC8BA}" type="datetimeFigureOut">
               <a:rPr lang="en-US" smtClean="0"/>
-              <a:t>07.08.2020</a:t>
+              <a:t>18.08.2020</a:t>
             </a:fld>
             <a:endParaRPr lang="en-US"/>
           </a:p>
@@ -1363,7 +1389,7 @@
           <a:p>
             <a:fld id="{D1CB3D34-4A5F-4479-84DC-395EB63EC8BA}" type="datetimeFigureOut">
               <a:rPr lang="en-US" smtClean="0"/>
-              <a:t>07.08.2020</a:t>
+              <a:t>18.08.2020</a:t>
             </a:fld>
             <a:endParaRPr lang="en-US"/>
           </a:p>
@@ -1595,7 +1621,7 @@
           <a:p>
             <a:fld id="{D1CB3D34-4A5F-4479-84DC-395EB63EC8BA}" type="datetimeFigureOut">
               <a:rPr lang="en-US" smtClean="0"/>
-              <a:t>07.08.2020</a:t>
+              <a:t>18.08.2020</a:t>
             </a:fld>
             <a:endParaRPr lang="en-US"/>
           </a:p>
@@ -1962,7 +1988,7 @@
           <a:p>
             <a:fld id="{D1CB3D34-4A5F-4479-84DC-395EB63EC8BA}" type="datetimeFigureOut">
               <a:rPr lang="en-US" smtClean="0"/>
-              <a:t>07.08.2020</a:t>
+              <a:t>18.08.2020</a:t>
             </a:fld>
             <a:endParaRPr lang="en-US"/>
           </a:p>
@@ -2080,7 +2106,7 @@
           <a:p>
             <a:fld id="{D1CB3D34-4A5F-4479-84DC-395EB63EC8BA}" type="datetimeFigureOut">
               <a:rPr lang="en-US" smtClean="0"/>
-              <a:t>07.08.2020</a:t>
+              <a:t>18.08.2020</a:t>
             </a:fld>
             <a:endParaRPr lang="en-US"/>
           </a:p>
@@ -2175,7 +2201,7 @@
           <a:p>
             <a:fld id="{D1CB3D34-4A5F-4479-84DC-395EB63EC8BA}" type="datetimeFigureOut">
               <a:rPr lang="en-US" smtClean="0"/>
-              <a:t>07.08.2020</a:t>
+              <a:t>18.08.2020</a:t>
             </a:fld>
             <a:endParaRPr lang="en-US"/>
           </a:p>
@@ -2452,7 +2478,7 @@
           <a:p>
             <a:fld id="{D1CB3D34-4A5F-4479-84DC-395EB63EC8BA}" type="datetimeFigureOut">
               <a:rPr lang="en-US" smtClean="0"/>
-              <a:t>07.08.2020</a:t>
+              <a:t>18.08.2020</a:t>
             </a:fld>
             <a:endParaRPr lang="en-US"/>
           </a:p>
@@ -2705,7 +2731,7 @@
           <a:p>
             <a:fld id="{D1CB3D34-4A5F-4479-84DC-395EB63EC8BA}" type="datetimeFigureOut">
               <a:rPr lang="en-US" smtClean="0"/>
-              <a:t>07.08.2020</a:t>
+              <a:t>18.08.2020</a:t>
             </a:fld>
             <a:endParaRPr lang="en-US"/>
           </a:p>
@@ -2918,7 +2944,7 @@
           <a:p>
             <a:fld id="{D1CB3D34-4A5F-4479-84DC-395EB63EC8BA}" type="datetimeFigureOut">
               <a:rPr lang="en-US" smtClean="0"/>
-              <a:t>07.08.2020</a:t>
+              <a:t>18.08.2020</a:t>
             </a:fld>
             <a:endParaRPr lang="en-US"/>
           </a:p>
@@ -3510,7 +3536,7 @@
             </a:pPr>
             <a:r>
               <a:rPr lang="en-US" dirty="0"/>
-              <a:t>Please fixate your eyes on </a:t>
+              <a:t>Please keep your eyes fixating </a:t>
             </a:r>
             <a:r>
               <a:rPr lang="en-US" b="1" dirty="0">
@@ -3535,7 +3561,7 @@
             </a:pPr>
             <a:r>
               <a:rPr lang="en-US" dirty="0"/>
-              <a:t>Tilted bars will be always presented in the middle disk</a:t>
+              <a:t>Tilted bars will always be presented in the middle disk</a:t>
             </a:r>
           </a:p>
           <a:p>
@@ -3548,7 +3574,7 @@
             </a:pPr>
             <a:r>
               <a:rPr lang="en-US" dirty="0"/>
-              <a:t>Your task is to detect either the target bars (15</a:t>
+              <a:t>Your task is to detect whether the target bars (15</a:t>
             </a:r>
             <a:r>
               <a:rPr lang="en-US" baseline="30000" dirty="0"/>
@@ -5087,7 +5113,7 @@
             </a:pPr>
             <a:r>
               <a:rPr lang="en-US" dirty="0"/>
-              <a:t>Please fixate your eyes on </a:t>
+              <a:t>Please keep your eyes fixating </a:t>
             </a:r>
             <a:r>
               <a:rPr lang="en-US" b="1" dirty="0">

--- a/Instructions/Instruction for observers_3disk_flicker.pptx
+++ b/Instructions/Instruction for observers_3disk_flicker.pptx
@@ -129,20 +129,6 @@
 </p:cmAuthorLst>
 </file>
 
-<file path=ppt/comments/comment1.xml><?xml version="1.0" encoding="utf-8"?>
-<p:cmLst xmlns:a="http://schemas.openxmlformats.org/drawingml/2006/main" xmlns:r="http://schemas.openxmlformats.org/officeDocument/2006/relationships" xmlns:p="http://schemas.openxmlformats.org/presentationml/2006/main">
-  <p:cm authorId="1" dt="2020-08-14T15:39:41.628" idx="6">
-    <p:pos x="4644" y="2102"/>
-    <p:text>not sure, but since there is only one target bar in each of those 2 frames, I would rather say "whether the target bar (...) in cue and probe frames is tilted in the ...."</p:text>
-    <p:extLst>
-      <p:ext uri="{C676402C-5697-4E1C-873F-D02D1690AC5C}">
-        <p15:threadingInfo xmlns:p15="http://schemas.microsoft.com/office/powerpoint/2012/main" timeZoneBias="-120"/>
-      </p:ext>
-    </p:extLst>
-  </p:cm>
-</p:cmLst>
-</file>
-
 <file path=ppt/notesMasters/notesMaster1.xml><?xml version="1.0" encoding="utf-8"?>
 <p:notesMaster xmlns:a="http://schemas.openxmlformats.org/drawingml/2006/main" xmlns:r="http://schemas.openxmlformats.org/officeDocument/2006/relationships" xmlns:p="http://schemas.openxmlformats.org/presentationml/2006/main">
   <p:cSld>
@@ -225,7 +211,7 @@
           <a:p>
             <a:fld id="{024A5357-A753-4D39-8A2E-56E39FBFD254}" type="datetimeFigureOut">
               <a:rPr lang="en-US" smtClean="0"/>
-              <a:t>18.08.2020</a:t>
+              <a:t>19.08.2020</a:t>
             </a:fld>
             <a:endParaRPr lang="en-US"/>
           </a:p>
@@ -623,7 +609,7 @@
           <a:p>
             <a:fld id="{D1CB3D34-4A5F-4479-84DC-395EB63EC8BA}" type="datetimeFigureOut">
               <a:rPr lang="en-US" smtClean="0"/>
-              <a:t>18.08.2020</a:t>
+              <a:t>19.08.2020</a:t>
             </a:fld>
             <a:endParaRPr lang="en-US"/>
           </a:p>
@@ -793,7 +779,7 @@
           <a:p>
             <a:fld id="{D1CB3D34-4A5F-4479-84DC-395EB63EC8BA}" type="datetimeFigureOut">
               <a:rPr lang="en-US" smtClean="0"/>
-              <a:t>18.08.2020</a:t>
+              <a:t>19.08.2020</a:t>
             </a:fld>
             <a:endParaRPr lang="en-US"/>
           </a:p>
@@ -973,7 +959,7 @@
           <a:p>
             <a:fld id="{D1CB3D34-4A5F-4479-84DC-395EB63EC8BA}" type="datetimeFigureOut">
               <a:rPr lang="en-US" smtClean="0"/>
-              <a:t>18.08.2020</a:t>
+              <a:t>19.08.2020</a:t>
             </a:fld>
             <a:endParaRPr lang="en-US"/>
           </a:p>
@@ -1143,7 +1129,7 @@
           <a:p>
             <a:fld id="{D1CB3D34-4A5F-4479-84DC-395EB63EC8BA}" type="datetimeFigureOut">
               <a:rPr lang="en-US" smtClean="0"/>
-              <a:t>18.08.2020</a:t>
+              <a:t>19.08.2020</a:t>
             </a:fld>
             <a:endParaRPr lang="en-US"/>
           </a:p>
@@ -1389,7 +1375,7 @@
           <a:p>
             <a:fld id="{D1CB3D34-4A5F-4479-84DC-395EB63EC8BA}" type="datetimeFigureOut">
               <a:rPr lang="en-US" smtClean="0"/>
-              <a:t>18.08.2020</a:t>
+              <a:t>19.08.2020</a:t>
             </a:fld>
             <a:endParaRPr lang="en-US"/>
           </a:p>
@@ -1621,7 +1607,7 @@
           <a:p>
             <a:fld id="{D1CB3D34-4A5F-4479-84DC-395EB63EC8BA}" type="datetimeFigureOut">
               <a:rPr lang="en-US" smtClean="0"/>
-              <a:t>18.08.2020</a:t>
+              <a:t>19.08.2020</a:t>
             </a:fld>
             <a:endParaRPr lang="en-US"/>
           </a:p>
@@ -1988,7 +1974,7 @@
           <a:p>
             <a:fld id="{D1CB3D34-4A5F-4479-84DC-395EB63EC8BA}" type="datetimeFigureOut">
               <a:rPr lang="en-US" smtClean="0"/>
-              <a:t>18.08.2020</a:t>
+              <a:t>19.08.2020</a:t>
             </a:fld>
             <a:endParaRPr lang="en-US"/>
           </a:p>
@@ -2106,7 +2092,7 @@
           <a:p>
             <a:fld id="{D1CB3D34-4A5F-4479-84DC-395EB63EC8BA}" type="datetimeFigureOut">
               <a:rPr lang="en-US" smtClean="0"/>
-              <a:t>18.08.2020</a:t>
+              <a:t>19.08.2020</a:t>
             </a:fld>
             <a:endParaRPr lang="en-US"/>
           </a:p>
@@ -2201,7 +2187,7 @@
           <a:p>
             <a:fld id="{D1CB3D34-4A5F-4479-84DC-395EB63EC8BA}" type="datetimeFigureOut">
               <a:rPr lang="en-US" smtClean="0"/>
-              <a:t>18.08.2020</a:t>
+              <a:t>19.08.2020</a:t>
             </a:fld>
             <a:endParaRPr lang="en-US"/>
           </a:p>
@@ -2478,7 +2464,7 @@
           <a:p>
             <a:fld id="{D1CB3D34-4A5F-4479-84DC-395EB63EC8BA}" type="datetimeFigureOut">
               <a:rPr lang="en-US" smtClean="0"/>
-              <a:t>18.08.2020</a:t>
+              <a:t>19.08.2020</a:t>
             </a:fld>
             <a:endParaRPr lang="en-US"/>
           </a:p>
@@ -2731,7 +2717,7 @@
           <a:p>
             <a:fld id="{D1CB3D34-4A5F-4479-84DC-395EB63EC8BA}" type="datetimeFigureOut">
               <a:rPr lang="en-US" smtClean="0"/>
-              <a:t>18.08.2020</a:t>
+              <a:t>19.08.2020</a:t>
             </a:fld>
             <a:endParaRPr lang="en-US"/>
           </a:p>
@@ -2944,7 +2930,7 @@
           <a:p>
             <a:fld id="{D1CB3D34-4A5F-4479-84DC-395EB63EC8BA}" type="datetimeFigureOut">
               <a:rPr lang="en-US" smtClean="0"/>
-              <a:t>18.08.2020</a:t>
+              <a:t>19.08.2020</a:t>
             </a:fld>
             <a:endParaRPr lang="en-US"/>
           </a:p>

--- a/Instructions/Instruction for observers_3disk_flicker.pptx
+++ b/Instructions/Instruction for observers_3disk_flicker.pptx
@@ -5,12 +5,13 @@
     <p:sldMasterId id="2147483648" r:id="rId1"/>
   </p:sldMasterIdLst>
   <p:notesMasterIdLst>
-    <p:notesMasterId r:id="rId5"/>
+    <p:notesMasterId r:id="rId6"/>
   </p:notesMasterIdLst>
   <p:sldIdLst>
     <p:sldId id="271" r:id="rId2"/>
     <p:sldId id="276" r:id="rId3"/>
     <p:sldId id="273" r:id="rId4"/>
+    <p:sldId id="277" r:id="rId5"/>
   </p:sldIdLst>
   <p:sldSz cx="12192000" cy="6858000"/>
   <p:notesSz cx="6858000" cy="9144000"/>
@@ -211,7 +212,7 @@
           <a:p>
             <a:fld id="{024A5357-A753-4D39-8A2E-56E39FBFD254}" type="datetimeFigureOut">
               <a:rPr lang="en-US" smtClean="0"/>
-              <a:t>19.08.2020</a:t>
+              <a:t>20.08.2020</a:t>
             </a:fld>
             <a:endParaRPr lang="en-US"/>
           </a:p>
@@ -609,7 +610,7 @@
           <a:p>
             <a:fld id="{D1CB3D34-4A5F-4479-84DC-395EB63EC8BA}" type="datetimeFigureOut">
               <a:rPr lang="en-US" smtClean="0"/>
-              <a:t>19.08.2020</a:t>
+              <a:t>20.08.2020</a:t>
             </a:fld>
             <a:endParaRPr lang="en-US"/>
           </a:p>
@@ -779,7 +780,7 @@
           <a:p>
             <a:fld id="{D1CB3D34-4A5F-4479-84DC-395EB63EC8BA}" type="datetimeFigureOut">
               <a:rPr lang="en-US" smtClean="0"/>
-              <a:t>19.08.2020</a:t>
+              <a:t>20.08.2020</a:t>
             </a:fld>
             <a:endParaRPr lang="en-US"/>
           </a:p>
@@ -959,7 +960,7 @@
           <a:p>
             <a:fld id="{D1CB3D34-4A5F-4479-84DC-395EB63EC8BA}" type="datetimeFigureOut">
               <a:rPr lang="en-US" smtClean="0"/>
-              <a:t>19.08.2020</a:t>
+              <a:t>20.08.2020</a:t>
             </a:fld>
             <a:endParaRPr lang="en-US"/>
           </a:p>
@@ -1129,7 +1130,7 @@
           <a:p>
             <a:fld id="{D1CB3D34-4A5F-4479-84DC-395EB63EC8BA}" type="datetimeFigureOut">
               <a:rPr lang="en-US" smtClean="0"/>
-              <a:t>19.08.2020</a:t>
+              <a:t>20.08.2020</a:t>
             </a:fld>
             <a:endParaRPr lang="en-US"/>
           </a:p>
@@ -1375,7 +1376,7 @@
           <a:p>
             <a:fld id="{D1CB3D34-4A5F-4479-84DC-395EB63EC8BA}" type="datetimeFigureOut">
               <a:rPr lang="en-US" smtClean="0"/>
-              <a:t>19.08.2020</a:t>
+              <a:t>20.08.2020</a:t>
             </a:fld>
             <a:endParaRPr lang="en-US"/>
           </a:p>
@@ -1607,7 +1608,7 @@
           <a:p>
             <a:fld id="{D1CB3D34-4A5F-4479-84DC-395EB63EC8BA}" type="datetimeFigureOut">
               <a:rPr lang="en-US" smtClean="0"/>
-              <a:t>19.08.2020</a:t>
+              <a:t>20.08.2020</a:t>
             </a:fld>
             <a:endParaRPr lang="en-US"/>
           </a:p>
@@ -1974,7 +1975,7 @@
           <a:p>
             <a:fld id="{D1CB3D34-4A5F-4479-84DC-395EB63EC8BA}" type="datetimeFigureOut">
               <a:rPr lang="en-US" smtClean="0"/>
-              <a:t>19.08.2020</a:t>
+              <a:t>20.08.2020</a:t>
             </a:fld>
             <a:endParaRPr lang="en-US"/>
           </a:p>
@@ -2092,7 +2093,7 @@
           <a:p>
             <a:fld id="{D1CB3D34-4A5F-4479-84DC-395EB63EC8BA}" type="datetimeFigureOut">
               <a:rPr lang="en-US" smtClean="0"/>
-              <a:t>19.08.2020</a:t>
+              <a:t>20.08.2020</a:t>
             </a:fld>
             <a:endParaRPr lang="en-US"/>
           </a:p>
@@ -2187,7 +2188,7 @@
           <a:p>
             <a:fld id="{D1CB3D34-4A5F-4479-84DC-395EB63EC8BA}" type="datetimeFigureOut">
               <a:rPr lang="en-US" smtClean="0"/>
-              <a:t>19.08.2020</a:t>
+              <a:t>20.08.2020</a:t>
             </a:fld>
             <a:endParaRPr lang="en-US"/>
           </a:p>
@@ -2464,7 +2465,7 @@
           <a:p>
             <a:fld id="{D1CB3D34-4A5F-4479-84DC-395EB63EC8BA}" type="datetimeFigureOut">
               <a:rPr lang="en-US" smtClean="0"/>
-              <a:t>19.08.2020</a:t>
+              <a:t>20.08.2020</a:t>
             </a:fld>
             <a:endParaRPr lang="en-US"/>
           </a:p>
@@ -2717,7 +2718,7 @@
           <a:p>
             <a:fld id="{D1CB3D34-4A5F-4479-84DC-395EB63EC8BA}" type="datetimeFigureOut">
               <a:rPr lang="en-US" smtClean="0"/>
-              <a:t>19.08.2020</a:t>
+              <a:t>20.08.2020</a:t>
             </a:fld>
             <a:endParaRPr lang="en-US"/>
           </a:p>
@@ -2930,7 +2931,7 @@
           <a:p>
             <a:fld id="{D1CB3D34-4A5F-4479-84DC-395EB63EC8BA}" type="datetimeFigureOut">
               <a:rPr lang="en-US" smtClean="0"/>
-              <a:t>19.08.2020</a:t>
+              <a:t>20.08.2020</a:t>
             </a:fld>
             <a:endParaRPr lang="en-US"/>
           </a:p>
@@ -5156,6 +5157,101 @@
     <p:extLst>
       <p:ext uri="{BB962C8B-B14F-4D97-AF65-F5344CB8AC3E}">
         <p14:creationId xmlns:p14="http://schemas.microsoft.com/office/powerpoint/2010/main" val="1151703127"/>
+      </p:ext>
+    </p:extLst>
+  </p:cSld>
+  <p:clrMapOvr>
+    <a:masterClrMapping/>
+  </p:clrMapOvr>
+</p:sld>
+</file>
+
+<file path=ppt/slides/slide4.xml><?xml version="1.0" encoding="utf-8"?>
+<p:sld xmlns:a="http://schemas.openxmlformats.org/drawingml/2006/main" xmlns:r="http://schemas.openxmlformats.org/officeDocument/2006/relationships" xmlns:p="http://schemas.openxmlformats.org/presentationml/2006/main">
+  <p:cSld>
+    <p:spTree>
+      <p:nvGrpSpPr>
+        <p:cNvPr id="1" name=""/>
+        <p:cNvGrpSpPr/>
+        <p:nvPr/>
+      </p:nvGrpSpPr>
+      <p:grpSpPr>
+        <a:xfrm>
+          <a:off x="0" y="0"/>
+          <a:ext cx="0" cy="0"/>
+          <a:chOff x="0" y="0"/>
+          <a:chExt cx="0" cy="0"/>
+        </a:xfrm>
+      </p:grpSpPr>
+      <p:sp>
+        <p:nvSpPr>
+          <p:cNvPr id="3" name="TextBox 2">
+            <a:extLst>
+              <a:ext uri="{FF2B5EF4-FFF2-40B4-BE49-F238E27FC236}">
+                <a16:creationId xmlns:a16="http://schemas.microsoft.com/office/drawing/2014/main" id="{B2E2DF44-B89A-4980-BE4D-962260EFB5F2}"/>
+              </a:ext>
+            </a:extLst>
+          </p:cNvPr>
+          <p:cNvSpPr txBox="1"/>
+          <p:nvPr/>
+        </p:nvSpPr>
+        <p:spPr>
+          <a:xfrm>
+            <a:off x="579120" y="2338785"/>
+            <a:ext cx="11033760" cy="1477328"/>
+          </a:xfrm>
+          <a:prstGeom prst="rect">
+            <a:avLst/>
+          </a:prstGeom>
+          <a:noFill/>
+        </p:spPr>
+        <p:txBody>
+          <a:bodyPr wrap="square" rtlCol="0">
+            <a:spAutoFit/>
+          </a:bodyPr>
+          <a:lstStyle/>
+          <a:p>
+            <a:pPr algn="ctr"/>
+            <a:r>
+              <a:rPr lang="en-US" dirty="0"/>
+              <a:t>Let’s start the experiment! </a:t>
+            </a:r>
+          </a:p>
+          <a:p>
+            <a:pPr algn="ctr"/>
+            <a:endParaRPr lang="en-US" dirty="0"/>
+          </a:p>
+          <a:p>
+            <a:pPr algn="ctr"/>
+            <a:r>
+              <a:rPr lang="en-US" dirty="0"/>
+              <a:t>You will go through a short training block (with feedback) and then to the main blocks (without feedback)</a:t>
+            </a:r>
+          </a:p>
+          <a:p>
+            <a:pPr algn="ctr"/>
+            <a:endParaRPr lang="en-US" dirty="0"/>
+          </a:p>
+          <a:p>
+            <a:pPr algn="ctr"/>
+            <a:r>
+              <a:rPr lang="en-US" dirty="0"/>
+              <a:t>Thanks a lot! </a:t>
+            </a:r>
+            <a:r>
+              <a:rPr lang="en-US" dirty="0">
+                <a:sym typeface="Wingdings" panose="05000000000000000000" pitchFamily="2" charset="2"/>
+              </a:rPr>
+              <a:t></a:t>
+            </a:r>
+            <a:endParaRPr lang="en-US" dirty="0"/>
+          </a:p>
+        </p:txBody>
+      </p:sp>
+    </p:spTree>
+    <p:extLst>
+      <p:ext uri="{BB962C8B-B14F-4D97-AF65-F5344CB8AC3E}">
+        <p14:creationId xmlns:p14="http://schemas.microsoft.com/office/powerpoint/2010/main" val="1249610806"/>
       </p:ext>
     </p:extLst>
   </p:cSld>

--- a/Instructions/Instruction for observers_3disk_flicker.pptx
+++ b/Instructions/Instruction for observers_3disk_flicker.pptx
@@ -212,7 +212,7 @@
           <a:p>
             <a:fld id="{024A5357-A753-4D39-8A2E-56E39FBFD254}" type="datetimeFigureOut">
               <a:rPr lang="en-US" smtClean="0"/>
-              <a:t>20.08.2020</a:t>
+              <a:t>26/08/2020</a:t>
             </a:fld>
             <a:endParaRPr lang="en-US"/>
           </a:p>
@@ -370,7 +370,7 @@
           <a:p>
             <a:fld id="{2AAE02F7-5913-4DC8-9BE8-0A33703523A4}" type="slidenum">
               <a:rPr lang="en-US" smtClean="0"/>
-              <a:t>‹#›</a:t>
+              <a:t>‹N°›</a:t>
             </a:fld>
             <a:endParaRPr lang="en-US"/>
           </a:p>
@@ -610,7 +610,7 @@
           <a:p>
             <a:fld id="{D1CB3D34-4A5F-4479-84DC-395EB63EC8BA}" type="datetimeFigureOut">
               <a:rPr lang="en-US" smtClean="0"/>
-              <a:t>20.08.2020</a:t>
+              <a:t>26/08/2020</a:t>
             </a:fld>
             <a:endParaRPr lang="en-US"/>
           </a:p>
@@ -652,7 +652,7 @@
           <a:p>
             <a:fld id="{3F194144-D442-4A9D-8E4A-80A9157011E4}" type="slidenum">
               <a:rPr lang="en-US" smtClean="0"/>
-              <a:t>‹#›</a:t>
+              <a:t>‹N°›</a:t>
             </a:fld>
             <a:endParaRPr lang="en-US"/>
           </a:p>
@@ -780,7 +780,7 @@
           <a:p>
             <a:fld id="{D1CB3D34-4A5F-4479-84DC-395EB63EC8BA}" type="datetimeFigureOut">
               <a:rPr lang="en-US" smtClean="0"/>
-              <a:t>20.08.2020</a:t>
+              <a:t>26/08/2020</a:t>
             </a:fld>
             <a:endParaRPr lang="en-US"/>
           </a:p>
@@ -822,7 +822,7 @@
           <a:p>
             <a:fld id="{3F194144-D442-4A9D-8E4A-80A9157011E4}" type="slidenum">
               <a:rPr lang="en-US" smtClean="0"/>
-              <a:t>‹#›</a:t>
+              <a:t>‹N°›</a:t>
             </a:fld>
             <a:endParaRPr lang="en-US"/>
           </a:p>
@@ -960,7 +960,7 @@
           <a:p>
             <a:fld id="{D1CB3D34-4A5F-4479-84DC-395EB63EC8BA}" type="datetimeFigureOut">
               <a:rPr lang="en-US" smtClean="0"/>
-              <a:t>20.08.2020</a:t>
+              <a:t>26/08/2020</a:t>
             </a:fld>
             <a:endParaRPr lang="en-US"/>
           </a:p>
@@ -1002,7 +1002,7 @@
           <a:p>
             <a:fld id="{3F194144-D442-4A9D-8E4A-80A9157011E4}" type="slidenum">
               <a:rPr lang="en-US" smtClean="0"/>
-              <a:t>‹#›</a:t>
+              <a:t>‹N°›</a:t>
             </a:fld>
             <a:endParaRPr lang="en-US"/>
           </a:p>
@@ -1130,7 +1130,7 @@
           <a:p>
             <a:fld id="{D1CB3D34-4A5F-4479-84DC-395EB63EC8BA}" type="datetimeFigureOut">
               <a:rPr lang="en-US" smtClean="0"/>
-              <a:t>20.08.2020</a:t>
+              <a:t>26/08/2020</a:t>
             </a:fld>
             <a:endParaRPr lang="en-US"/>
           </a:p>
@@ -1172,7 +1172,7 @@
           <a:p>
             <a:fld id="{3F194144-D442-4A9D-8E4A-80A9157011E4}" type="slidenum">
               <a:rPr lang="en-US" smtClean="0"/>
-              <a:t>‹#›</a:t>
+              <a:t>‹N°›</a:t>
             </a:fld>
             <a:endParaRPr lang="en-US"/>
           </a:p>
@@ -1376,7 +1376,7 @@
           <a:p>
             <a:fld id="{D1CB3D34-4A5F-4479-84DC-395EB63EC8BA}" type="datetimeFigureOut">
               <a:rPr lang="en-US" smtClean="0"/>
-              <a:t>20.08.2020</a:t>
+              <a:t>26/08/2020</a:t>
             </a:fld>
             <a:endParaRPr lang="en-US"/>
           </a:p>
@@ -1418,7 +1418,7 @@
           <a:p>
             <a:fld id="{3F194144-D442-4A9D-8E4A-80A9157011E4}" type="slidenum">
               <a:rPr lang="en-US" smtClean="0"/>
-              <a:t>‹#›</a:t>
+              <a:t>‹N°›</a:t>
             </a:fld>
             <a:endParaRPr lang="en-US"/>
           </a:p>
@@ -1608,7 +1608,7 @@
           <a:p>
             <a:fld id="{D1CB3D34-4A5F-4479-84DC-395EB63EC8BA}" type="datetimeFigureOut">
               <a:rPr lang="en-US" smtClean="0"/>
-              <a:t>20.08.2020</a:t>
+              <a:t>26/08/2020</a:t>
             </a:fld>
             <a:endParaRPr lang="en-US"/>
           </a:p>
@@ -1650,7 +1650,7 @@
           <a:p>
             <a:fld id="{3F194144-D442-4A9D-8E4A-80A9157011E4}" type="slidenum">
               <a:rPr lang="en-US" smtClean="0"/>
-              <a:t>‹#›</a:t>
+              <a:t>‹N°›</a:t>
             </a:fld>
             <a:endParaRPr lang="en-US"/>
           </a:p>
@@ -1975,7 +1975,7 @@
           <a:p>
             <a:fld id="{D1CB3D34-4A5F-4479-84DC-395EB63EC8BA}" type="datetimeFigureOut">
               <a:rPr lang="en-US" smtClean="0"/>
-              <a:t>20.08.2020</a:t>
+              <a:t>26/08/2020</a:t>
             </a:fld>
             <a:endParaRPr lang="en-US"/>
           </a:p>
@@ -2017,7 +2017,7 @@
           <a:p>
             <a:fld id="{3F194144-D442-4A9D-8E4A-80A9157011E4}" type="slidenum">
               <a:rPr lang="en-US" smtClean="0"/>
-              <a:t>‹#›</a:t>
+              <a:t>‹N°›</a:t>
             </a:fld>
             <a:endParaRPr lang="en-US"/>
           </a:p>
@@ -2093,7 +2093,7 @@
           <a:p>
             <a:fld id="{D1CB3D34-4A5F-4479-84DC-395EB63EC8BA}" type="datetimeFigureOut">
               <a:rPr lang="en-US" smtClean="0"/>
-              <a:t>20.08.2020</a:t>
+              <a:t>26/08/2020</a:t>
             </a:fld>
             <a:endParaRPr lang="en-US"/>
           </a:p>
@@ -2135,7 +2135,7 @@
           <a:p>
             <a:fld id="{3F194144-D442-4A9D-8E4A-80A9157011E4}" type="slidenum">
               <a:rPr lang="en-US" smtClean="0"/>
-              <a:t>‹#›</a:t>
+              <a:t>‹N°›</a:t>
             </a:fld>
             <a:endParaRPr lang="en-US"/>
           </a:p>
@@ -2188,7 +2188,7 @@
           <a:p>
             <a:fld id="{D1CB3D34-4A5F-4479-84DC-395EB63EC8BA}" type="datetimeFigureOut">
               <a:rPr lang="en-US" smtClean="0"/>
-              <a:t>20.08.2020</a:t>
+              <a:t>26/08/2020</a:t>
             </a:fld>
             <a:endParaRPr lang="en-US"/>
           </a:p>
@@ -2230,7 +2230,7 @@
           <a:p>
             <a:fld id="{3F194144-D442-4A9D-8E4A-80A9157011E4}" type="slidenum">
               <a:rPr lang="en-US" smtClean="0"/>
-              <a:t>‹#›</a:t>
+              <a:t>‹N°›</a:t>
             </a:fld>
             <a:endParaRPr lang="en-US"/>
           </a:p>
@@ -2465,7 +2465,7 @@
           <a:p>
             <a:fld id="{D1CB3D34-4A5F-4479-84DC-395EB63EC8BA}" type="datetimeFigureOut">
               <a:rPr lang="en-US" smtClean="0"/>
-              <a:t>20.08.2020</a:t>
+              <a:t>26/08/2020</a:t>
             </a:fld>
             <a:endParaRPr lang="en-US"/>
           </a:p>
@@ -2507,7 +2507,7 @@
           <a:p>
             <a:fld id="{3F194144-D442-4A9D-8E4A-80A9157011E4}" type="slidenum">
               <a:rPr lang="en-US" smtClean="0"/>
-              <a:t>‹#›</a:t>
+              <a:t>‹N°›</a:t>
             </a:fld>
             <a:endParaRPr lang="en-US"/>
           </a:p>
@@ -2718,7 +2718,7 @@
           <a:p>
             <a:fld id="{D1CB3D34-4A5F-4479-84DC-395EB63EC8BA}" type="datetimeFigureOut">
               <a:rPr lang="en-US" smtClean="0"/>
-              <a:t>20.08.2020</a:t>
+              <a:t>26/08/2020</a:t>
             </a:fld>
             <a:endParaRPr lang="en-US"/>
           </a:p>
@@ -2760,7 +2760,7 @@
           <a:p>
             <a:fld id="{3F194144-D442-4A9D-8E4A-80A9157011E4}" type="slidenum">
               <a:rPr lang="en-US" smtClean="0"/>
-              <a:t>‹#›</a:t>
+              <a:t>‹N°›</a:t>
             </a:fld>
             <a:endParaRPr lang="en-US"/>
           </a:p>
@@ -2931,7 +2931,7 @@
           <a:p>
             <a:fld id="{D1CB3D34-4A5F-4479-84DC-395EB63EC8BA}" type="datetimeFigureOut">
               <a:rPr lang="en-US" smtClean="0"/>
-              <a:t>20.08.2020</a:t>
+              <a:t>26/08/2020</a:t>
             </a:fld>
             <a:endParaRPr lang="en-US"/>
           </a:p>
@@ -3009,7 +3009,7 @@
           <a:p>
             <a:fld id="{3F194144-D442-4A9D-8E4A-80A9157011E4}" type="slidenum">
               <a:rPr lang="en-US" smtClean="0"/>
-              <a:t>‹#›</a:t>
+              <a:t>‹N°›</a:t>
             </a:fld>
             <a:endParaRPr lang="en-US"/>
           </a:p>
@@ -3494,109 +3494,6 @@
       </p:grpSpPr>
       <p:sp>
         <p:nvSpPr>
-          <p:cNvPr id="39" name="TextBox 38"/>
-          <p:cNvSpPr txBox="1"/>
-          <p:nvPr/>
-        </p:nvSpPr>
-        <p:spPr>
-          <a:xfrm>
-            <a:off x="3040474" y="2438090"/>
-            <a:ext cx="9026702" cy="1938992"/>
-          </a:xfrm>
-          <a:prstGeom prst="rect">
-            <a:avLst/>
-          </a:prstGeom>
-          <a:noFill/>
-        </p:spPr>
-        <p:txBody>
-          <a:bodyPr wrap="square" rtlCol="0">
-            <a:spAutoFit/>
-          </a:bodyPr>
-          <a:lstStyle/>
-          <a:p>
-            <a:pPr marL="285750" indent="-285750">
-              <a:spcAft>
-                <a:spcPts val="1200"/>
-              </a:spcAft>
-              <a:buFontTx/>
-              <a:buChar char="-"/>
-            </a:pPr>
-            <a:r>
-              <a:rPr lang="en-US" dirty="0"/>
-              <a:t>Please keep your eyes fixating </a:t>
-            </a:r>
-            <a:r>
-              <a:rPr lang="en-US" b="1" dirty="0">
-                <a:solidFill>
-                  <a:srgbClr val="FF0000"/>
-                </a:solidFill>
-              </a:rPr>
-              <a:t>the red fixation dot</a:t>
-            </a:r>
-            <a:r>
-              <a:rPr lang="en-US" dirty="0"/>
-              <a:t> all the time</a:t>
-            </a:r>
-          </a:p>
-          <a:p>
-            <a:pPr marL="285750" indent="-285750">
-              <a:spcAft>
-                <a:spcPts val="1200"/>
-              </a:spcAft>
-              <a:buFontTx/>
-              <a:buChar char="-"/>
-            </a:pPr>
-            <a:r>
-              <a:rPr lang="en-US" dirty="0"/>
-              <a:t>Tilted bars will always be presented in the middle disk</a:t>
-            </a:r>
-          </a:p>
-          <a:p>
-            <a:pPr marL="285750" indent="-285750">
-              <a:spcAft>
-                <a:spcPts val="1200"/>
-              </a:spcAft>
-              <a:buFontTx/>
-              <a:buChar char="-"/>
-            </a:pPr>
-            <a:r>
-              <a:rPr lang="en-US" dirty="0"/>
-              <a:t>Your task is to detect whether the target bars (15</a:t>
-            </a:r>
-            <a:r>
-              <a:rPr lang="en-US" baseline="30000" dirty="0"/>
-              <a:t>◦ </a:t>
-            </a:r>
-            <a:r>
-              <a:rPr lang="en-US" dirty="0"/>
-              <a:t>tilted bars) in cue and probe frames are tilted in the same direction (left button) or not (right button)</a:t>
-            </a:r>
-          </a:p>
-          <a:p>
-            <a:pPr marL="285750" indent="-285750">
-              <a:spcAft>
-                <a:spcPts val="1200"/>
-              </a:spcAft>
-              <a:buFontTx/>
-              <a:buChar char="-"/>
-            </a:pPr>
-            <a:r>
-              <a:rPr lang="en-US" dirty="0"/>
-              <a:t>Again, you have to ignore the 45</a:t>
-            </a:r>
-            <a:r>
-              <a:rPr lang="en-US" baseline="30000" dirty="0"/>
-              <a:t>◦</a:t>
-            </a:r>
-            <a:r>
-              <a:rPr lang="en-US" dirty="0"/>
-              <a:t>(distractor) bar in the cue frame</a:t>
-            </a:r>
-          </a:p>
-        </p:txBody>
-      </p:sp>
-      <p:sp>
-        <p:nvSpPr>
           <p:cNvPr id="28" name="직사각형 13">
             <a:extLst>
               <a:ext uri="{FF2B5EF4-FFF2-40B4-BE49-F238E27FC236}">
@@ -4483,7 +4380,7 @@
         <p:spPr>
           <a:xfrm>
             <a:off x="1780474" y="1523977"/>
-            <a:ext cx="1260000" cy="338554"/>
+            <a:ext cx="1260000" cy="584775"/>
           </a:xfrm>
           <a:prstGeom prst="rect">
             <a:avLst/>
@@ -4515,7 +4412,15 @@
             <a:pPr algn="ctr"/>
             <a:r>
               <a:rPr lang="en-US" sz="1600" b="1" dirty="0"/>
-              <a:t>cue frame</a:t>
+              <a:t>1</a:t>
+            </a:r>
+            <a:r>
+              <a:rPr lang="en-US" sz="1600" b="1" baseline="30000" dirty="0"/>
+              <a:t>st</a:t>
+            </a:r>
+            <a:r>
+              <a:rPr lang="en-US" sz="1600" b="1" dirty="0"/>
+              <a:t> target disk</a:t>
             </a:r>
           </a:p>
         </p:txBody>
@@ -4535,7 +4440,7 @@
         <p:spPr>
           <a:xfrm>
             <a:off x="1780474" y="5541191"/>
-            <a:ext cx="1260000" cy="338554"/>
+            <a:ext cx="1260000" cy="584775"/>
           </a:xfrm>
           <a:prstGeom prst="rect">
             <a:avLst/>
@@ -4567,7 +4472,15 @@
             <a:pPr algn="ctr"/>
             <a:r>
               <a:rPr lang="en-US" sz="1600" b="1" dirty="0"/>
-              <a:t>probe frame</a:t>
+              <a:t>2</a:t>
+            </a:r>
+            <a:r>
+              <a:rPr lang="en-US" sz="1600" b="1" baseline="30000" dirty="0"/>
+              <a:t>nd</a:t>
+            </a:r>
+            <a:r>
+              <a:rPr lang="en-US" sz="1600" b="1" dirty="0"/>
+              <a:t> target disk</a:t>
             </a:r>
           </a:p>
         </p:txBody>
@@ -4974,6 +4887,249 @@
           </a:prstGeom>
         </p:spPr>
       </p:pic>
+      <p:sp>
+        <p:nvSpPr>
+          <p:cNvPr id="36" name="Arrow: Down 1">
+            <a:extLst>
+              <a:ext uri="{FF2B5EF4-FFF2-40B4-BE49-F238E27FC236}">
+                <a16:creationId xmlns:a16="http://schemas.microsoft.com/office/drawing/2014/main" id="{81BD489E-4B4A-4991-842B-CF2818F36E28}"/>
+              </a:ext>
+            </a:extLst>
+          </p:cNvPr>
+          <p:cNvSpPr/>
+          <p:nvPr/>
+        </p:nvSpPr>
+        <p:spPr>
+          <a:xfrm>
+            <a:off x="907056" y="5677935"/>
+            <a:ext cx="210176" cy="176606"/>
+          </a:xfrm>
+          <a:prstGeom prst="downArrow">
+            <a:avLst/>
+          </a:prstGeom>
+          <a:solidFill>
+            <a:srgbClr val="FF0000"/>
+          </a:solidFill>
+          <a:ln>
+            <a:solidFill>
+              <a:schemeClr val="accent2">
+                <a:lumMod val="20000"/>
+                <a:lumOff val="80000"/>
+              </a:schemeClr>
+            </a:solidFill>
+          </a:ln>
+        </p:spPr>
+        <p:style>
+          <a:lnRef idx="2">
+            <a:schemeClr val="accent1">
+              <a:shade val="50000"/>
+            </a:schemeClr>
+          </a:lnRef>
+          <a:fillRef idx="1">
+            <a:schemeClr val="accent1"/>
+          </a:fillRef>
+          <a:effectRef idx="0">
+            <a:schemeClr val="accent1"/>
+          </a:effectRef>
+          <a:fontRef idx="minor">
+            <a:schemeClr val="lt1"/>
+          </a:fontRef>
+        </p:style>
+        <p:txBody>
+          <a:bodyPr rtlCol="0" anchor="ctr"/>
+          <a:lstStyle/>
+          <a:p>
+            <a:pPr algn="ctr"/>
+            <a:endParaRPr lang="en-US"/>
+          </a:p>
+        </p:txBody>
+      </p:sp>
+      <p:sp>
+        <p:nvSpPr>
+          <p:cNvPr id="37" name="Arrow: Down 1">
+            <a:extLst>
+              <a:ext uri="{FF2B5EF4-FFF2-40B4-BE49-F238E27FC236}">
+                <a16:creationId xmlns:a16="http://schemas.microsoft.com/office/drawing/2014/main" id="{2F7930C9-9CA8-4B76-8F7A-4DBC34507A54}"/>
+              </a:ext>
+            </a:extLst>
+          </p:cNvPr>
+          <p:cNvSpPr/>
+          <p:nvPr/>
+        </p:nvSpPr>
+        <p:spPr>
+          <a:xfrm>
+            <a:off x="907056" y="1694638"/>
+            <a:ext cx="210176" cy="176606"/>
+          </a:xfrm>
+          <a:prstGeom prst="downArrow">
+            <a:avLst/>
+          </a:prstGeom>
+          <a:solidFill>
+            <a:srgbClr val="FF0000"/>
+          </a:solidFill>
+          <a:ln>
+            <a:solidFill>
+              <a:schemeClr val="accent2">
+                <a:lumMod val="20000"/>
+                <a:lumOff val="80000"/>
+              </a:schemeClr>
+            </a:solidFill>
+          </a:ln>
+        </p:spPr>
+        <p:style>
+          <a:lnRef idx="2">
+            <a:schemeClr val="accent1">
+              <a:shade val="50000"/>
+            </a:schemeClr>
+          </a:lnRef>
+          <a:fillRef idx="1">
+            <a:schemeClr val="accent1"/>
+          </a:fillRef>
+          <a:effectRef idx="0">
+            <a:schemeClr val="accent1"/>
+          </a:effectRef>
+          <a:fontRef idx="minor">
+            <a:schemeClr val="lt1"/>
+          </a:fontRef>
+        </p:style>
+        <p:txBody>
+          <a:bodyPr rtlCol="0" anchor="ctr"/>
+          <a:lstStyle/>
+          <a:p>
+            <a:pPr algn="ctr"/>
+            <a:endParaRPr lang="en-US"/>
+          </a:p>
+        </p:txBody>
+      </p:sp>
+      <p:sp>
+        <p:nvSpPr>
+          <p:cNvPr id="38" name="TextBox 35">
+            <a:extLst>
+              <a:ext uri="{FF2B5EF4-FFF2-40B4-BE49-F238E27FC236}">
+                <a16:creationId xmlns:a16="http://schemas.microsoft.com/office/drawing/2014/main" id="{54DE9A29-6DF2-429E-B959-579E95E23C42}"/>
+              </a:ext>
+            </a:extLst>
+          </p:cNvPr>
+          <p:cNvSpPr txBox="1"/>
+          <p:nvPr/>
+        </p:nvSpPr>
+        <p:spPr>
+          <a:xfrm>
+            <a:off x="3393688" y="1523977"/>
+            <a:ext cx="8354891" cy="2215991"/>
+          </a:xfrm>
+          <a:prstGeom prst="rect">
+            <a:avLst/>
+          </a:prstGeom>
+          <a:noFill/>
+        </p:spPr>
+        <p:txBody>
+          <a:bodyPr wrap="square" rtlCol="0">
+            <a:spAutoFit/>
+          </a:bodyPr>
+          <a:lstStyle/>
+          <a:p>
+            <a:pPr marL="285750" indent="-285750">
+              <a:spcAft>
+                <a:spcPts val="1200"/>
+              </a:spcAft>
+              <a:buFontTx/>
+              <a:buChar char="-"/>
+            </a:pPr>
+            <a:r>
+              <a:rPr lang="en-US" dirty="0"/>
+              <a:t>Please keep your eyes fixating </a:t>
+            </a:r>
+            <a:r>
+              <a:rPr lang="en-US" b="1" dirty="0">
+                <a:solidFill>
+                  <a:srgbClr val="CC0000"/>
+                </a:solidFill>
+              </a:rPr>
+              <a:t>the red fixation dot</a:t>
+            </a:r>
+            <a:r>
+              <a:rPr lang="en-US" dirty="0">
+                <a:solidFill>
+                  <a:srgbClr val="CC0000"/>
+                </a:solidFill>
+              </a:rPr>
+              <a:t> </a:t>
+            </a:r>
+            <a:r>
+              <a:rPr lang="en-US" dirty="0"/>
+              <a:t>during the trials.</a:t>
+            </a:r>
+          </a:p>
+          <a:p>
+            <a:pPr marL="285750" indent="-285750">
+              <a:spcAft>
+                <a:spcPts val="1200"/>
+              </a:spcAft>
+              <a:buFontTx/>
+              <a:buChar char="-"/>
+            </a:pPr>
+            <a:r>
+              <a:rPr lang="en-US" dirty="0"/>
+              <a:t>In this session, the three disks will not move.</a:t>
+            </a:r>
+          </a:p>
+          <a:p>
+            <a:pPr marL="285750" indent="-285750">
+              <a:spcAft>
+                <a:spcPts val="1200"/>
+              </a:spcAft>
+              <a:buFontTx/>
+              <a:buChar char="-"/>
+            </a:pPr>
+            <a:r>
+              <a:rPr lang="en-US" dirty="0"/>
+              <a:t>The target disk will always be the middle disk (see example).</a:t>
+            </a:r>
+          </a:p>
+          <a:p>
+            <a:pPr marL="285750" indent="-285750">
+              <a:spcAft>
+                <a:spcPts val="1200"/>
+              </a:spcAft>
+              <a:buFontTx/>
+              <a:buChar char="-"/>
+            </a:pPr>
+            <a:r>
+              <a:rPr lang="en-US" dirty="0"/>
+              <a:t>The task stays the same: if the </a:t>
+            </a:r>
+            <a:r>
+              <a:rPr lang="en-US" dirty="0">
+                <a:solidFill>
+                  <a:srgbClr val="CC0000"/>
+                </a:solidFill>
+              </a:rPr>
+              <a:t>target bars </a:t>
+            </a:r>
+            <a:r>
+              <a:rPr lang="en-US" dirty="0"/>
+              <a:t>(15° tilted) are tilted in the same direction (both right or both left), press the </a:t>
+            </a:r>
+            <a:r>
+              <a:rPr lang="en-US" b="1" i="1" dirty="0"/>
+              <a:t>left</a:t>
+            </a:r>
+            <a:r>
+              <a:rPr lang="en-US" dirty="0"/>
+              <a:t> button; if they are tilted in different directions, press the </a:t>
+            </a:r>
+            <a:r>
+              <a:rPr lang="en-US" b="1" i="1" dirty="0"/>
+              <a:t>right</a:t>
+            </a:r>
+            <a:r>
+              <a:rPr lang="en-US" dirty="0"/>
+              <a:t> button.</a:t>
+            </a:r>
+          </a:p>
+        </p:txBody>
+      </p:sp>
     </p:spTree>
     <p:extLst>
       <p:ext uri="{BB962C8B-B14F-4D97-AF65-F5344CB8AC3E}">
@@ -4984,6 +5140,115 @@
   <p:clrMapOvr>
     <a:masterClrMapping/>
   </p:clrMapOvr>
+  <p:timing>
+    <p:tnLst>
+      <p:par>
+        <p:cTn id="1" dur="indefinite" restart="never" nodeType="tmRoot">
+          <p:childTnLst>
+            <p:seq concurrent="1" nextAc="seek">
+              <p:cTn id="2" dur="indefinite" nodeType="mainSeq">
+                <p:childTnLst>
+                  <p:par>
+                    <p:cTn id="3" fill="hold">
+                      <p:stCondLst>
+                        <p:cond delay="indefinite"/>
+                        <p:cond evt="onBegin" delay="0">
+                          <p:tn val="2"/>
+                        </p:cond>
+                      </p:stCondLst>
+                      <p:childTnLst>
+                        <p:par>
+                          <p:cTn id="4" fill="hold">
+                            <p:stCondLst>
+                              <p:cond delay="0"/>
+                            </p:stCondLst>
+                            <p:childTnLst>
+                              <p:par>
+                                <p:cTn id="5" presetID="1" presetClass="entr" presetSubtype="0" fill="hold" grpId="0" nodeType="withEffect">
+                                  <p:stCondLst>
+                                    <p:cond delay="0"/>
+                                  </p:stCondLst>
+                                  <p:childTnLst>
+                                    <p:set>
+                                      <p:cBhvr>
+                                        <p:cTn id="6" dur="1" fill="hold">
+                                          <p:stCondLst>
+                                            <p:cond delay="0"/>
+                                          </p:stCondLst>
+                                        </p:cTn>
+                                        <p:tgtEl>
+                                          <p:spTgt spid="36"/>
+                                        </p:tgtEl>
+                                        <p:attrNameLst>
+                                          <p:attrName>style.visibility</p:attrName>
+                                        </p:attrNameLst>
+                                      </p:cBhvr>
+                                      <p:to>
+                                        <p:strVal val="visible"/>
+                                      </p:to>
+                                    </p:set>
+                                  </p:childTnLst>
+                                </p:cTn>
+                              </p:par>
+                              <p:par>
+                                <p:cTn id="7" presetID="1" presetClass="entr" presetSubtype="0" fill="hold" grpId="0" nodeType="withEffect">
+                                  <p:stCondLst>
+                                    <p:cond delay="0"/>
+                                  </p:stCondLst>
+                                  <p:childTnLst>
+                                    <p:set>
+                                      <p:cBhvr>
+                                        <p:cTn id="8" dur="1" fill="hold">
+                                          <p:stCondLst>
+                                            <p:cond delay="0"/>
+                                          </p:stCondLst>
+                                        </p:cTn>
+                                        <p:tgtEl>
+                                          <p:spTgt spid="37"/>
+                                        </p:tgtEl>
+                                        <p:attrNameLst>
+                                          <p:attrName>style.visibility</p:attrName>
+                                        </p:attrNameLst>
+                                      </p:cBhvr>
+                                      <p:to>
+                                        <p:strVal val="visible"/>
+                                      </p:to>
+                                    </p:set>
+                                  </p:childTnLst>
+                                </p:cTn>
+                              </p:par>
+                            </p:childTnLst>
+                          </p:cTn>
+                        </p:par>
+                      </p:childTnLst>
+                    </p:cTn>
+                  </p:par>
+                </p:childTnLst>
+              </p:cTn>
+              <p:prevCondLst>
+                <p:cond evt="onPrev" delay="0">
+                  <p:tgtEl>
+                    <p:sldTgt/>
+                  </p:tgtEl>
+                </p:cond>
+              </p:prevCondLst>
+              <p:nextCondLst>
+                <p:cond evt="onNext" delay="0">
+                  <p:tgtEl>
+                    <p:sldTgt/>
+                  </p:tgtEl>
+                </p:cond>
+              </p:nextCondLst>
+            </p:seq>
+          </p:childTnLst>
+        </p:cTn>
+      </p:par>
+    </p:tnLst>
+    <p:bldLst>
+      <p:bldP spid="36" grpId="0" animBg="1"/>
+      <p:bldP spid="37" grpId="0" animBg="1"/>
+    </p:bldLst>
+  </p:timing>
 </p:sld>
 </file>
 
